--- a/03_AnnModel.pptx
+++ b/03_AnnModel.pptx
@@ -3464,7 +3464,7 @@
                   <a:srgbClr val="FFFF00"/>
                 </a:solidFill>
               </a:rPr>
-              <a:t>3 ANN Explanation</a:t>
+              <a:t>3 ANN Model</a:t>
             </a:r>
             <a:endParaRPr lang="zh-TW" altLang="en-US" sz="4800" b="1" dirty="0">
               <a:solidFill>
@@ -5716,10 +5716,10 @@
       </p:sp>
       <p:pic>
         <p:nvPicPr>
-          <p:cNvPr id="11" name="Picture 10">
+          <p:cNvPr id="7" name="Picture 6">
             <a:extLst>
               <a:ext uri="{FF2B5EF4-FFF2-40B4-BE49-F238E27FC236}">
-                <a16:creationId xmlns:a16="http://schemas.microsoft.com/office/drawing/2014/main" id="{D0F94FEF-A572-458C-8F05-28F7050AA1EC}"/>
+                <a16:creationId xmlns:a16="http://schemas.microsoft.com/office/drawing/2014/main" id="{AD0B0555-811D-4A21-A8CC-19135C980B73}"/>
               </a:ext>
             </a:extLst>
           </p:cNvPr>
@@ -5736,8 +5736,8 @@
         </p:blipFill>
         <p:spPr>
           <a:xfrm>
-            <a:off x="755576" y="2185451"/>
-            <a:ext cx="6946456" cy="2835014"/>
+            <a:off x="1600200" y="2255596"/>
+            <a:ext cx="4953000" cy="1971675"/>
           </a:xfrm>
           <a:prstGeom prst="rect">
             <a:avLst/>
